--- a/HUST-Theme-PPT/v1留边16-9.pptx
+++ b/HUST-Theme-PPT/v1留边16-9.pptx
@@ -204,7 +204,7 @@
           <a:p>
             <a:fld id="{BDA51940-DB52-3B48-AABB-9C7938529E4E}" type="datetimeFigureOut">
               <a:rPr kumimoji="1" lang="zh-CN" altLang="en-US" smtClean="0"/>
-              <a:t>2026/1/5</a:t>
+              <a:t>2026/1/18</a:t>
             </a:fld>
             <a:endParaRPr kumimoji="1" lang="zh-CN" altLang="en-US"/>
           </a:p>
@@ -891,7 +891,7 @@
             </a:pPr>
             <a:fld id="{E4551058-E5DB-324A-A8E9-6D3BEF243C3B}" type="datetimeFigureOut">
               <a:rPr kumimoji="1" lang="zh-CN" altLang="en-US" smtClean="0"/>
-              <a:t>2026/1/5</a:t>
+              <a:t>2026/1/18</a:t>
             </a:fld>
             <a:endParaRPr kumimoji="1" lang="zh-CN" altLang="en-US"/>
           </a:p>
@@ -1276,7 +1276,7 @@
             </a:pPr>
             <a:fld id="{E4551058-E5DB-324A-A8E9-6D3BEF243C3B}" type="datetimeFigureOut">
               <a:rPr kumimoji="1" lang="zh-CN" altLang="en-US" smtClean="0"/>
-              <a:t>2026/1/5</a:t>
+              <a:t>2026/1/18</a:t>
             </a:fld>
             <a:endParaRPr kumimoji="1" lang="zh-CN" altLang="en-US"/>
           </a:p>
@@ -1616,7 +1616,7 @@
             </a:pPr>
             <a:fld id="{E4551058-E5DB-324A-A8E9-6D3BEF243C3B}" type="datetimeFigureOut">
               <a:rPr kumimoji="1" lang="zh-CN" altLang="en-US" smtClean="0"/>
-              <a:t>2026/1/5</a:t>
+              <a:t>2026/1/18</a:t>
             </a:fld>
             <a:endParaRPr kumimoji="1" lang="zh-CN" altLang="en-US"/>
           </a:p>
@@ -1957,7 +1957,7 @@
             </a:pPr>
             <a:fld id="{E4551058-E5DB-324A-A8E9-6D3BEF243C3B}" type="datetimeFigureOut">
               <a:rPr kumimoji="1" lang="zh-CN" altLang="en-US" smtClean="0"/>
-              <a:t>2026/1/5</a:t>
+              <a:t>2026/1/18</a:t>
             </a:fld>
             <a:endParaRPr kumimoji="1" lang="zh-CN" altLang="en-US"/>
           </a:p>
@@ -2283,7 +2283,7 @@
             </a:pPr>
             <a:fld id="{E4551058-E5DB-324A-A8E9-6D3BEF243C3B}" type="datetimeFigureOut">
               <a:rPr kumimoji="1" lang="zh-CN" altLang="en-US" smtClean="0"/>
-              <a:t>2026/1/5</a:t>
+              <a:t>2026/1/18</a:t>
             </a:fld>
             <a:endParaRPr kumimoji="1" lang="zh-CN" altLang="en-US"/>
           </a:p>
@@ -2635,7 +2635,7 @@
             </a:pPr>
             <a:fld id="{E4551058-E5DB-324A-A8E9-6D3BEF243C3B}" type="datetimeFigureOut">
               <a:rPr kumimoji="1" lang="zh-CN" altLang="en-US" smtClean="0"/>
-              <a:t>2026/1/5</a:t>
+              <a:t>2026/1/18</a:t>
             </a:fld>
             <a:endParaRPr kumimoji="1" lang="zh-CN" altLang="en-US"/>
           </a:p>
@@ -3245,7 +3245,7 @@
             </a:pPr>
             <a:fld id="{E4551058-E5DB-324A-A8E9-6D3BEF243C3B}" type="datetimeFigureOut">
               <a:rPr kumimoji="1" lang="zh-CN" altLang="en-US" smtClean="0"/>
-              <a:t>2026/1/5</a:t>
+              <a:t>2026/1/18</a:t>
             </a:fld>
             <a:endParaRPr kumimoji="1" lang="zh-CN" altLang="en-US"/>
           </a:p>
@@ -3629,7 +3629,7 @@
             </a:pPr>
             <a:fld id="{E4551058-E5DB-324A-A8E9-6D3BEF243C3B}" type="datetimeFigureOut">
               <a:rPr kumimoji="1" lang="zh-CN" altLang="en-US" smtClean="0"/>
-              <a:t>2026/1/5</a:t>
+              <a:t>2026/1/18</a:t>
             </a:fld>
             <a:endParaRPr kumimoji="1" lang="zh-CN" altLang="en-US"/>
           </a:p>
@@ -4140,7 +4140,7 @@
             </a:pPr>
             <a:fld id="{E4551058-E5DB-324A-A8E9-6D3BEF243C3B}" type="datetimeFigureOut">
               <a:rPr kumimoji="1" lang="zh-CN" altLang="en-US" smtClean="0"/>
-              <a:t>2026/1/5</a:t>
+              <a:t>2026/1/18</a:t>
             </a:fld>
             <a:endParaRPr kumimoji="1" lang="zh-CN" altLang="en-US"/>
           </a:p>
@@ -4307,7 +4307,7 @@
             </a:pPr>
             <a:fld id="{E4551058-E5DB-324A-A8E9-6D3BEF243C3B}" type="datetimeFigureOut">
               <a:rPr kumimoji="1" lang="zh-CN" altLang="en-US" smtClean="0"/>
-              <a:t>2026/1/5</a:t>
+              <a:t>2026/1/18</a:t>
             </a:fld>
             <a:endParaRPr kumimoji="1" lang="zh-CN" altLang="en-US"/>
           </a:p>
@@ -4474,7 +4474,7 @@
             </a:pPr>
             <a:fld id="{E4551058-E5DB-324A-A8E9-6D3BEF243C3B}" type="datetimeFigureOut">
               <a:rPr kumimoji="1" lang="zh-CN" altLang="en-US" smtClean="0"/>
-              <a:t>2026/1/5</a:t>
+              <a:t>2026/1/18</a:t>
             </a:fld>
             <a:endParaRPr kumimoji="1" lang="zh-CN" altLang="en-US"/>
           </a:p>
@@ -5067,7 +5067,7 @@
             </a:pPr>
             <a:fld id="{E4551058-E5DB-324A-A8E9-6D3BEF243C3B}" type="datetimeFigureOut">
               <a:rPr kumimoji="1" lang="zh-CN" altLang="en-US" smtClean="0"/>
-              <a:t>2026/1/5</a:t>
+              <a:t>2026/1/18</a:t>
             </a:fld>
             <a:endParaRPr kumimoji="1" lang="zh-CN" altLang="en-US"/>
           </a:p>
@@ -5540,7 +5540,7 @@
             </a:pPr>
             <a:fld id="{E4551058-E5DB-324A-A8E9-6D3BEF243C3B}" type="datetimeFigureOut">
               <a:rPr kumimoji="1" lang="zh-CN" altLang="en-US" smtClean="0"/>
-              <a:t>2026/1/5</a:t>
+              <a:t>2026/1/18</a:t>
             </a:fld>
             <a:endParaRPr kumimoji="1" lang="zh-CN" altLang="en-US"/>
           </a:p>
@@ -6165,7 +6165,7 @@
               <a:rPr kumimoji="1" lang="zh-CN" altLang="en-US" dirty="0">
                 <a:solidFill/>
               </a:rPr>
-              <a:t>清华简约主题</a:t>
+              <a:t>华科简约主题</a:t>
             </a:r>
             <a:r>
               <a:rPr kumimoji="1" lang="en-US" altLang="zh-CN" dirty="0">
@@ -6231,10 +6231,24 @@
               </a:defRPr>
             </a:pPr>
             <a:r>
+              <a:rPr kumimoji="1" lang="en-US" altLang="zh-CN" dirty="0" err="1">
+                <a:solidFill/>
+              </a:rPr>
+              <a:t>zhu</a:t>
+            </a:r>
+            <a:endParaRPr kumimoji="1" lang="en-US" altLang="zh-CN" dirty="0"/>
+          </a:p>
+          <a:p>
+            <a:pPr>
+              <a:defRPr>
+                <a:solidFill/>
+              </a:defRPr>
+            </a:pPr>
+            <a:r>
               <a:rPr kumimoji="1" lang="zh-CN" altLang="en-US" dirty="0">
                 <a:solidFill/>
               </a:rPr>
-              <a:t>朱亮</a:t>
+              <a:t>东五楼</a:t>
             </a:r>
             <a:endParaRPr kumimoji="1" lang="en-US" altLang="zh-CN" dirty="0"/>
           </a:p>
@@ -6245,48 +6259,34 @@
               </a:defRPr>
             </a:pPr>
             <a:r>
+              <a:rPr kumimoji="1" lang="en-US" altLang="zh-CN" dirty="0">
+                <a:solidFill/>
+              </a:rPr>
+              <a:t>2026</a:t>
+            </a:r>
+            <a:r>
               <a:rPr kumimoji="1" lang="zh-CN" altLang="en-US" dirty="0">
                 <a:solidFill/>
               </a:rPr>
-              <a:t>东五楼</a:t>
-            </a:r>
-            <a:endParaRPr kumimoji="1" lang="en-US" altLang="zh-CN" dirty="0"/>
-          </a:p>
-          <a:p>
-            <a:pPr>
-              <a:defRPr>
-                <a:solidFill/>
-              </a:defRPr>
-            </a:pPr>
+              <a:t>年</a:t>
+            </a:r>
             <a:r>
               <a:rPr kumimoji="1" lang="en-US" altLang="zh-CN" dirty="0">
                 <a:solidFill/>
               </a:rPr>
-              <a:t>2020</a:t>
+              <a:t>1</a:t>
             </a:r>
             <a:r>
               <a:rPr kumimoji="1" lang="zh-CN" altLang="en-US" dirty="0">
                 <a:solidFill/>
               </a:rPr>
-              <a:t>年</a:t>
+              <a:t>月</a:t>
             </a:r>
             <a:r>
               <a:rPr kumimoji="1" lang="en-US" altLang="zh-CN" dirty="0">
                 <a:solidFill/>
               </a:rPr>
-              <a:t>6</a:t>
-            </a:r>
-            <a:r>
-              <a:rPr kumimoji="1" lang="zh-CN" altLang="en-US" dirty="0">
-                <a:solidFill/>
-              </a:rPr>
-              <a:t>月</a:t>
-            </a:r>
-            <a:r>
-              <a:rPr kumimoji="1" lang="en-US" altLang="zh-CN" dirty="0">
-                <a:solidFill/>
-              </a:rPr>
-              <a:t>9</a:t>
+              <a:t>18</a:t>
             </a:r>
             <a:r>
               <a:rPr kumimoji="1" lang="zh-CN" altLang="en-US" dirty="0">
@@ -6549,7 +6549,7 @@
               <a:rPr kumimoji="1" lang="zh-CN" altLang="en-US" dirty="0">
                 <a:solidFill/>
               </a:rPr>
-              <a:t>本清华主题模板实际上编辑了幻灯片母版，使图案和配色固定下来，使用时可类似于使用</a:t>
+              <a:t>本华科主题模板实际上编辑了幻灯片母版，使图案和配色固定下来，使用时可类似于使用</a:t>
             </a:r>
             <a:r>
               <a:rPr kumimoji="1" lang="en-US" altLang="zh-CN" dirty="0">
@@ -6608,7 +6608,7 @@
                 <a:solidFill/>
                 <a:hlinkClick r:id="rId2"/>
               </a:rPr>
-              <a:t>https://github.com/atomiechen/THU-PPT-Theme</a:t>
+              <a:t>https://github.com/LSTM-zhul/HUST-PPT</a:t>
             </a:r>
             <a:endParaRPr kumimoji="1" lang="en-US" altLang="zh-CN" dirty="0"/>
           </a:p>
@@ -6817,7 +6817,7 @@
               <a:rPr kumimoji="1" lang="zh-CN" altLang="en-US" dirty="0">
                 <a:solidFill/>
               </a:rPr>
-              <a:t>东五楼终于迎来了第一批在籍毕业生</a:t>
+              <a:t>东五楼又迎来了一批在籍毕业生</a:t>
             </a:r>
             <a:endParaRPr kumimoji="1" lang="en-US" altLang="zh-CN" dirty="0"/>
           </a:p>
@@ -6831,7 +6831,7 @@
               <a:rPr kumimoji="1" lang="zh-CN" altLang="en-US" dirty="0">
                 <a:solidFill/>
               </a:rPr>
-              <a:t>扫地机科学与技术</a:t>
+              <a:t>异构多智能体协同</a:t>
             </a:r>
             <a:endParaRPr kumimoji="1" lang="en-US" altLang="zh-CN" dirty="0"/>
           </a:p>
@@ -6874,7 +6874,7 @@
                 <a:solidFill/>
                 <a:hlinkClick r:id="rId2"/>
               </a:rPr>
-              <a:t>https://github.com/atomiechen/THU-PPT-Theme</a:t>
+              <a:t>https://github.com/LSTM-zhul/HUST-PPT</a:t>
             </a:r>
             <a:endParaRPr kumimoji="1" lang="en-US" altLang="zh-CN" dirty="0"/>
           </a:p>
@@ -6975,69 +6975,48 @@
               <a:rPr kumimoji="1" lang="en" altLang="zh-CN" dirty="0">
                 <a:solidFill/>
               </a:rPr>
-              <a:t>Weihao CHEN from Xinya College</a:t>
-            </a:r>
-          </a:p>
-          <a:p>
-            <a:pPr>
-              <a:defRPr>
-                <a:solidFill/>
-              </a:defRPr>
-            </a:pPr>
-            <a:r>
-              <a:rPr kumimoji="1" lang="en-US" altLang="zh-CN" dirty="0">
-                <a:solidFill/>
-              </a:rPr>
-              <a:t>Sweeper</a:t>
+              <a:t>liang zhu from HUST </a:t>
+            </a:r>
+          </a:p>
+          <a:p>
+            <a:pPr>
+              <a:defRPr>
+                <a:solidFill/>
+              </a:defRPr>
+            </a:pPr>
+            <a:r>
+              <a:rPr lang="en" altLang="zh-CN" dirty="0"/>
+              <a:t>Heterogeneous</a:t>
+            </a:r>
+            <a:r>
+              <a:rPr lang="zh-CN" altLang="en-US" dirty="0"/>
+              <a:t> </a:t>
+            </a:r>
+            <a:r>
+              <a:rPr lang="en-US" altLang="zh-CN" dirty="0"/>
+              <a:t>multi-agents</a:t>
+            </a:r>
+            <a:endParaRPr kumimoji="1" lang="en-US" altLang="zh-CN" dirty="0">
+              <a:solidFill/>
+            </a:endParaRPr>
+          </a:p>
+          <a:p>
+            <a:pPr>
+              <a:defRPr>
+                <a:solidFill/>
+              </a:defRPr>
+            </a:pPr>
+            <a:r>
+              <a:rPr kumimoji="1" lang="en-US" altLang="zh-CN" dirty="0" err="1">
+                <a:solidFill/>
+              </a:rPr>
+              <a:t>zhu</a:t>
             </a:r>
             <a:r>
               <a:rPr kumimoji="1" lang="zh-CN" altLang="en-US" dirty="0">
                 <a:solidFill/>
               </a:rPr>
-              <a:t> </a:t>
-            </a:r>
-            <a:r>
-              <a:rPr kumimoji="1" lang="en-US" altLang="zh-CN" dirty="0">
-                <a:solidFill/>
-              </a:rPr>
-              <a:t>Science</a:t>
-            </a:r>
-            <a:r>
-              <a:rPr kumimoji="1" lang="zh-CN" altLang="en-US" dirty="0">
-                <a:solidFill/>
-              </a:rPr>
-              <a:t> </a:t>
-            </a:r>
-            <a:r>
-              <a:rPr kumimoji="1" lang="en-US" altLang="zh-CN" dirty="0">
-                <a:solidFill/>
-              </a:rPr>
-              <a:t>and</a:t>
-            </a:r>
-            <a:r>
-              <a:rPr kumimoji="1" lang="zh-CN" altLang="en-US" dirty="0">
-                <a:solidFill/>
-              </a:rPr>
-              <a:t> </a:t>
-            </a:r>
-            <a:r>
-              <a:rPr kumimoji="1" lang="en-US" altLang="zh-CN" dirty="0">
-                <a:solidFill/>
-              </a:rPr>
-              <a:t>Technology</a:t>
-            </a:r>
-          </a:p>
-          <a:p>
-            <a:pPr>
-              <a:defRPr>
-                <a:solidFill/>
-              </a:defRPr>
-            </a:pPr>
-            <a:r>
-              <a:rPr kumimoji="1" lang="zh-CN" altLang="en-US" dirty="0">
-                <a:solidFill/>
-              </a:rPr>
-              <a:t>朱亮做了一个清净的主题模板</a:t>
+              <a:t>做了一个清净的主题模板</a:t>
             </a:r>
             <a:endParaRPr kumimoji="1" lang="en-US" altLang="zh-CN" dirty="0"/>
           </a:p>
@@ -7129,7 +7108,7 @@
               <a:rPr kumimoji="1" lang="zh-CN" altLang="en-US" dirty="0">
                 <a:solidFill/>
               </a:rPr>
-              <a:t>艾敝舍</a:t>
+              <a:t>紫菘舍</a:t>
             </a:r>
           </a:p>
         </p:txBody>
@@ -7248,39 +7227,6 @@
           </a:p>
         </p:txBody>
       </p:sp>
-      <p:pic>
-        <p:nvPicPr>
-          <p:cNvPr id="5" name="图片 4">
-            <a:extLst>
-              <a:ext uri="{FF2B5EF4-FFF2-40B4-BE49-F238E27FC236}">
-                <a16:creationId xmlns:a16="http://schemas.microsoft.com/office/drawing/2014/main" id="{184325CE-E5C3-C344-9926-C82890B49856}"/>
-              </a:ext>
-            </a:extLst>
-          </p:cNvPr>
-          <p:cNvPicPr>
-            <a:picLocks noChangeAspect="1"/>
-          </p:cNvPicPr>
-          <p:nvPr/>
-        </p:nvPicPr>
-        <p:blipFill>
-          <a:blip r:embed="rId2"/>
-          <a:stretch>
-            <a:fillRect/>
-          </a:stretch>
-        </p:blipFill>
-        <p:spPr>
-          <a:xfrm>
-            <a:off x="2116401" y="839070"/>
-            <a:ext cx="7959197" cy="3732929"/>
-          </a:xfrm>
-          <a:prstGeom prst="rect">
-            <a:avLst/>
-          </a:prstGeom>
-          <a:ln>
-            <a:solidFill/>
-          </a:ln>
-        </p:spPr>
-      </p:pic>
     </p:spTree>
     <p:extLst>
       <p:ext uri="{BB962C8B-B14F-4D97-AF65-F5344CB8AC3E}">
@@ -7486,7 +7432,7 @@
               <a:rPr kumimoji="1" lang="zh-CN" altLang="en-US" dirty="0">
                 <a:solidFill/>
               </a:rPr>
-              <a:t>扫地机科学与技术</a:t>
+              <a:t>异构多智能体协同</a:t>
             </a:r>
           </a:p>
           <a:p>
@@ -7647,7 +7593,7 @@
               <a:rPr kumimoji="1" lang="en-US" altLang="zh-CN" dirty="0" err="1">
                 <a:solidFill/>
               </a:rPr>
-              <a:t>Atomie</a:t>
+              <a:t>zhu</a:t>
             </a:r>
             <a:endParaRPr kumimoji="1" lang="en-US" altLang="zh-CN" dirty="0"/>
           </a:p>
